--- a/week-2/W2-S2-AdvancedElements/W2-S2-AdvancedElements.pptx
+++ b/week-2/W2-S2-AdvancedElements/W2-S2-AdvancedElements.pptx
@@ -5,10 +5,10 @@
     <p:sldMasterId id="2147483968" r:id="rId1"/>
   </p:sldMasterIdLst>
   <p:notesMasterIdLst>
-    <p:notesMasterId r:id="rId20"/>
+    <p:notesMasterId r:id="rId18"/>
   </p:notesMasterIdLst>
   <p:handoutMasterIdLst>
-    <p:handoutMasterId r:id="rId21"/>
+    <p:handoutMasterId r:id="rId19"/>
   </p:handoutMasterIdLst>
   <p:sldIdLst>
     <p:sldId id="256" r:id="rId2"/>
@@ -26,9 +26,7 @@
     <p:sldId id="291" r:id="rId14"/>
     <p:sldId id="270" r:id="rId15"/>
     <p:sldId id="286" r:id="rId16"/>
-    <p:sldId id="292" r:id="rId17"/>
-    <p:sldId id="293" r:id="rId18"/>
-    <p:sldId id="264" r:id="rId19"/>
+    <p:sldId id="264" r:id="rId17"/>
   </p:sldIdLst>
   <p:sldSz cx="12192000" cy="6858000"/>
   <p:notesSz cx="6858000" cy="9144000"/>
@@ -147,8 +145,6 @@
             <p14:sldId id="291"/>
             <p14:sldId id="270"/>
             <p14:sldId id="286"/>
-            <p14:sldId id="292"/>
-            <p14:sldId id="293"/>
             <p14:sldId id="264"/>
           </p14:sldIdLst>
         </p14:section>
@@ -461,7 +457,7 @@
           <a:p>
             <a:fld id="{AA884A5F-B9F5-9B43-BE5B-EBBCD5646595}" type="datetimeFigureOut">
               <a:rPr lang="en-US" smtClean="0"/>
-              <a:t>9/22/24</a:t>
+              <a:t>9/29/24</a:t>
             </a:fld>
             <a:endParaRPr lang="en-US"/>
           </a:p>
@@ -1382,7 +1378,7 @@
           <a:p>
             <a:fld id="{F6FA2B21-3FCD-4721-B95C-427943F61125}" type="datetime1">
               <a:rPr lang="en-US" smtClean="0"/>
-              <a:t>9/22/24</a:t>
+              <a:t>9/29/24</a:t>
             </a:fld>
             <a:endParaRPr lang="en-US"/>
           </a:p>
@@ -1645,7 +1641,7 @@
           <a:p>
             <a:fld id="{F6FA2B21-3FCD-4721-B95C-427943F61125}" type="datetime1">
               <a:rPr lang="en-US" smtClean="0"/>
-              <a:t>9/22/24</a:t>
+              <a:t>9/29/24</a:t>
             </a:fld>
             <a:endParaRPr lang="en-US"/>
           </a:p>
@@ -1881,7 +1877,7 @@
           <a:p>
             <a:fld id="{F6FA2B21-3FCD-4721-B95C-427943F61125}" type="datetime1">
               <a:rPr lang="en-US" smtClean="0"/>
-              <a:t>9/22/24</a:t>
+              <a:t>9/29/24</a:t>
             </a:fld>
             <a:endParaRPr lang="en-US"/>
           </a:p>
@@ -2209,7 +2205,7 @@
           <a:p>
             <a:fld id="{EA0C0817-A112-4847-8014-A94B7D2A4EA3}" type="datetime1">
               <a:rPr lang="en-US" smtClean="0"/>
-              <a:t>9/22/24</a:t>
+              <a:t>9/29/24</a:t>
             </a:fld>
             <a:endParaRPr lang="en-US" dirty="0"/>
           </a:p>
@@ -2523,7 +2519,7 @@
           <a:p>
             <a:fld id="{7332B432-ACDA-4023-A761-2BAB76577B62}" type="datetime1">
               <a:rPr lang="en-US" smtClean="0"/>
-              <a:t>9/22/24</a:t>
+              <a:t>9/29/24</a:t>
             </a:fld>
             <a:endParaRPr lang="en-US"/>
           </a:p>
@@ -2830,7 +2826,7 @@
           <a:p>
             <a:fld id="{D9C646AA-F36E-4540-911D-FFFC0A0EF24A}" type="datetime1">
               <a:rPr lang="en-US" smtClean="0"/>
-              <a:t>9/22/24</a:t>
+              <a:t>9/29/24</a:t>
             </a:fld>
             <a:endParaRPr lang="en-US" dirty="0"/>
           </a:p>
@@ -3132,7 +3128,7 @@
           <a:p>
             <a:fld id="{69186D26-FA5F-4637-B602-B7C2DC34CFD4}" type="datetime1">
               <a:rPr lang="en-US" smtClean="0"/>
-              <a:t>9/22/24</a:t>
+              <a:t>9/29/24</a:t>
             </a:fld>
             <a:endParaRPr lang="en-US"/>
           </a:p>
@@ -3554,7 +3550,7 @@
           <a:p>
             <a:fld id="{8A7F15D8-96D1-4781-BC50-CA8A088B2FE4}" type="datetime1">
               <a:rPr lang="en-US" smtClean="0"/>
-              <a:t>9/22/24</a:t>
+              <a:t>9/29/24</a:t>
             </a:fld>
             <a:endParaRPr lang="en-US"/>
           </a:p>
@@ -3716,7 +3712,7 @@
           <a:p>
             <a:fld id="{F9A96C99-B8F8-4528-BD05-0E16E943DC09}" type="datetime1">
               <a:rPr lang="en-US" smtClean="0"/>
-              <a:t>9/22/24</a:t>
+              <a:t>9/29/24</a:t>
             </a:fld>
             <a:endParaRPr lang="en-US"/>
           </a:p>
@@ -3811,7 +3807,7 @@
           <a:p>
             <a:fld id="{03636942-C211-4B28-8DBD-C953E00AF71B}" type="datetime1">
               <a:rPr lang="en-US" smtClean="0"/>
-              <a:t>9/22/24</a:t>
+              <a:t>9/29/24</a:t>
             </a:fld>
             <a:endParaRPr lang="en-US"/>
           </a:p>
@@ -4189,7 +4185,7 @@
           <a:p>
             <a:fld id="{7E8D12A6-918A-48BD-8CB9-CA713993B0EA}" type="datetime1">
               <a:rPr lang="en-US" smtClean="0"/>
-              <a:t>9/22/24</a:t>
+              <a:t>9/29/24</a:t>
             </a:fld>
             <a:endParaRPr lang="en-US"/>
           </a:p>
@@ -4478,7 +4474,7 @@
           <a:p>
             <a:fld id="{F6FA2B21-3FCD-4721-B95C-427943F61125}" type="datetime1">
               <a:rPr lang="en-US" smtClean="0"/>
-              <a:t>9/22/24</a:t>
+              <a:t>9/29/24</a:t>
             </a:fld>
             <a:endParaRPr lang="en-US"/>
           </a:p>
@@ -4690,7 +4686,7 @@
           <a:p>
             <a:fld id="{F6FA2B21-3FCD-4721-B95C-427943F61125}" type="datetime1">
               <a:rPr lang="en-US" smtClean="0"/>
-              <a:t>9/22/24</a:t>
+              <a:t>9/29/24</a:t>
             </a:fld>
             <a:endParaRPr lang="en-US"/>
           </a:p>
@@ -6670,884 +6666,6 @@
 </file>
 
 <file path=ppt/slides/slide16.xml><?xml version="1.0" encoding="utf-8"?>
-<p:sld xmlns:a="http://schemas.openxmlformats.org/drawingml/2006/main" xmlns:r="http://schemas.openxmlformats.org/officeDocument/2006/relationships" xmlns:p="http://schemas.openxmlformats.org/presentationml/2006/main">
-  <p:cSld>
-    <p:spTree>
-      <p:nvGrpSpPr>
-        <p:cNvPr id="1" name="">
-          <a:extLst>
-            <a:ext uri="{FF2B5EF4-FFF2-40B4-BE49-F238E27FC236}">
-              <a16:creationId xmlns:a16="http://schemas.microsoft.com/office/drawing/2014/main" id="{CBAE109F-588F-7134-8695-E74285284B6E}"/>
-            </a:ext>
-          </a:extLst>
-        </p:cNvPr>
-        <p:cNvGrpSpPr/>
-        <p:nvPr/>
-      </p:nvGrpSpPr>
-      <p:grpSpPr>
-        <a:xfrm>
-          <a:off x="0" y="0"/>
-          <a:ext cx="0" cy="0"/>
-          <a:chOff x="0" y="0"/>
-          <a:chExt cx="0" cy="0"/>
-        </a:xfrm>
-      </p:grpSpPr>
-      <p:sp>
-        <p:nvSpPr>
-          <p:cNvPr id="2" name="Title 1">
-            <a:extLst>
-              <a:ext uri="{FF2B5EF4-FFF2-40B4-BE49-F238E27FC236}">
-                <a16:creationId xmlns:a16="http://schemas.microsoft.com/office/drawing/2014/main" id="{8AE22E85-AFCF-3262-0A2D-3CAB42E28851}"/>
-              </a:ext>
-            </a:extLst>
-          </p:cNvPr>
-          <p:cNvSpPr>
-            <a:spLocks noGrp="1"/>
-          </p:cNvSpPr>
-          <p:nvPr>
-            <p:ph type="title"/>
-          </p:nvPr>
-        </p:nvSpPr>
-        <p:spPr>
-          <a:xfrm>
-            <a:off x="581193" y="729658"/>
-            <a:ext cx="11029616" cy="988332"/>
-          </a:xfrm>
-        </p:spPr>
-        <p:txBody>
-          <a:bodyPr anchor="b">
-            <a:normAutofit/>
-          </a:bodyPr>
-          <a:lstStyle/>
-          <a:p>
-            <a:r>
-              <a:rPr lang="en-GB" dirty="0"/>
-              <a:t>Recap</a:t>
-            </a:r>
-          </a:p>
-        </p:txBody>
-      </p:sp>
-      <p:sp>
-        <p:nvSpPr>
-          <p:cNvPr id="3" name="Content Placeholder 2">
-            <a:extLst>
-              <a:ext uri="{FF2B5EF4-FFF2-40B4-BE49-F238E27FC236}">
-                <a16:creationId xmlns:a16="http://schemas.microsoft.com/office/drawing/2014/main" id="{93A23AC4-3B15-1984-83E6-4892CF66C3FF}"/>
-              </a:ext>
-            </a:extLst>
-          </p:cNvPr>
-          <p:cNvSpPr>
-            <a:spLocks noGrp="1"/>
-          </p:cNvSpPr>
-          <p:nvPr>
-            <p:ph sz="half" idx="1"/>
-          </p:nvPr>
-        </p:nvSpPr>
-        <p:spPr>
-          <a:xfrm>
-            <a:off x="581192" y="2110773"/>
-            <a:ext cx="5198285" cy="3633047"/>
-          </a:xfrm>
-        </p:spPr>
-        <p:txBody>
-          <a:bodyPr anchor="ctr">
-            <a:normAutofit/>
-          </a:bodyPr>
-          <a:lstStyle/>
-          <a:p>
-            <a:pPr>
-              <a:buFont typeface="Arial" panose="020B0604020202020204" pitchFamily="34" charset="0"/>
-              <a:buChar char="•"/>
-            </a:pPr>
-            <a:r>
-              <a:rPr lang="en-GB" b="1" dirty="0"/>
-              <a:t>Border Styling</a:t>
-            </a:r>
-          </a:p>
-          <a:p>
-            <a:r>
-              <a:rPr lang="en-GB" dirty="0"/>
-              <a:t>We explored different ways to style borders in CSS. Key properties include:</a:t>
-            </a:r>
-          </a:p>
-          <a:p>
-            <a:pPr>
-              <a:buFont typeface="Arial" panose="020B0604020202020204" pitchFamily="34" charset="0"/>
-              <a:buChar char="•"/>
-            </a:pPr>
-            <a:r>
-              <a:rPr lang="en-GB" dirty="0"/>
-              <a:t>border-width: Sets the thickness of the border.</a:t>
-            </a:r>
-          </a:p>
-          <a:p>
-            <a:pPr>
-              <a:buFont typeface="Arial" panose="020B0604020202020204" pitchFamily="34" charset="0"/>
-              <a:buChar char="•"/>
-            </a:pPr>
-            <a:r>
-              <a:rPr lang="en-GB" dirty="0"/>
-              <a:t>border-style: Defines the type of border (e.g., solid, dashed, dotted).</a:t>
-            </a:r>
-          </a:p>
-          <a:p>
-            <a:pPr>
-              <a:buFont typeface="Arial" panose="020B0604020202020204" pitchFamily="34" charset="0"/>
-              <a:buChar char="•"/>
-            </a:pPr>
-            <a:r>
-              <a:rPr lang="en-GB" dirty="0"/>
-              <a:t>border-</a:t>
-            </a:r>
-            <a:r>
-              <a:rPr lang="en-GB" dirty="0" err="1"/>
-              <a:t>color</a:t>
-            </a:r>
-            <a:r>
-              <a:rPr lang="en-GB" dirty="0"/>
-              <a:t>: Sets the </a:t>
-            </a:r>
-            <a:r>
-              <a:rPr lang="en-GB" dirty="0" err="1"/>
-              <a:t>color</a:t>
-            </a:r>
-            <a:r>
-              <a:rPr lang="en-GB" dirty="0"/>
-              <a:t> of the border.</a:t>
-            </a:r>
-          </a:p>
-          <a:p>
-            <a:pPr>
-              <a:buFont typeface="Arial" panose="020B0604020202020204" pitchFamily="34" charset="0"/>
-              <a:buChar char="•"/>
-            </a:pPr>
-            <a:endParaRPr lang="en-GB" dirty="0"/>
-          </a:p>
-        </p:txBody>
-      </p:sp>
-      <p:sp>
-        <p:nvSpPr>
-          <p:cNvPr id="4" name="Content Placeholder 2">
-            <a:extLst>
-              <a:ext uri="{FF2B5EF4-FFF2-40B4-BE49-F238E27FC236}">
-                <a16:creationId xmlns:a16="http://schemas.microsoft.com/office/drawing/2014/main" id="{A62F209E-0538-E382-3EA3-DABB85BF4A60}"/>
-              </a:ext>
-            </a:extLst>
-          </p:cNvPr>
-          <p:cNvSpPr txBox="1">
-            <a:spLocks/>
-          </p:cNvSpPr>
-          <p:nvPr/>
-        </p:nvSpPr>
-        <p:spPr>
-          <a:xfrm>
-            <a:off x="6209482" y="2110773"/>
-            <a:ext cx="5198285" cy="3633047"/>
-          </a:xfrm>
-          <a:prstGeom prst="rect">
-            <a:avLst/>
-          </a:prstGeom>
-        </p:spPr>
-        <p:txBody>
-          <a:bodyPr vert="horz" lIns="91440" tIns="45720" rIns="91440" bIns="45720" rtlCol="0" anchor="ctr">
-            <a:normAutofit/>
-          </a:bodyPr>
-          <a:lstStyle>
-            <a:lvl1pPr marL="306000" indent="-306000" algn="l" defTabSz="457200" rtl="0" eaLnBrk="1" latinLnBrk="0" hangingPunct="1">
-              <a:spcBef>
-                <a:spcPct val="20000"/>
-              </a:spcBef>
-              <a:spcAft>
-                <a:spcPts val="600"/>
-              </a:spcAft>
-              <a:buClr>
-                <a:schemeClr val="accent2"/>
-              </a:buClr>
-              <a:buSzPct val="92000"/>
-              <a:buFont typeface="Wingdings 2" panose="05020102010507070707" pitchFamily="18" charset="2"/>
-              <a:buChar char=""/>
-              <a:defRPr sz="1800" kern="1200">
-                <a:solidFill>
-                  <a:schemeClr val="tx2"/>
-                </a:solidFill>
-                <a:latin typeface="+mn-lt"/>
-                <a:ea typeface="+mn-ea"/>
-                <a:cs typeface="+mn-cs"/>
-              </a:defRPr>
-            </a:lvl1pPr>
-            <a:lvl2pPr marL="630000" indent="-306000" algn="l" defTabSz="457200" rtl="0" eaLnBrk="1" latinLnBrk="0" hangingPunct="1">
-              <a:spcBef>
-                <a:spcPct val="20000"/>
-              </a:spcBef>
-              <a:spcAft>
-                <a:spcPts val="600"/>
-              </a:spcAft>
-              <a:buClr>
-                <a:schemeClr val="accent2"/>
-              </a:buClr>
-              <a:buSzPct val="92000"/>
-              <a:buFont typeface="Wingdings 2" panose="05020102010507070707" pitchFamily="18" charset="2"/>
-              <a:buChar char=""/>
-              <a:defRPr sz="1600" kern="1200">
-                <a:solidFill>
-                  <a:schemeClr val="tx2"/>
-                </a:solidFill>
-                <a:latin typeface="+mn-lt"/>
-                <a:ea typeface="+mn-ea"/>
-                <a:cs typeface="+mn-cs"/>
-              </a:defRPr>
-            </a:lvl2pPr>
-            <a:lvl3pPr marL="900000" indent="-270000" algn="l" defTabSz="457200" rtl="0" eaLnBrk="1" latinLnBrk="0" hangingPunct="1">
-              <a:spcBef>
-                <a:spcPct val="20000"/>
-              </a:spcBef>
-              <a:spcAft>
-                <a:spcPts val="600"/>
-              </a:spcAft>
-              <a:buClr>
-                <a:schemeClr val="accent2"/>
-              </a:buClr>
-              <a:buSzPct val="92000"/>
-              <a:buFont typeface="Wingdings 2" panose="05020102010507070707" pitchFamily="18" charset="2"/>
-              <a:buChar char=""/>
-              <a:defRPr sz="1400" kern="1200">
-                <a:solidFill>
-                  <a:schemeClr val="tx2"/>
-                </a:solidFill>
-                <a:latin typeface="+mn-lt"/>
-                <a:ea typeface="+mn-ea"/>
-                <a:cs typeface="+mn-cs"/>
-              </a:defRPr>
-            </a:lvl3pPr>
-            <a:lvl4pPr marL="1242000" indent="-234000" algn="l" defTabSz="457200" rtl="0" eaLnBrk="1" latinLnBrk="0" hangingPunct="1">
-              <a:spcBef>
-                <a:spcPct val="20000"/>
-              </a:spcBef>
-              <a:spcAft>
-                <a:spcPts val="600"/>
-              </a:spcAft>
-              <a:buClr>
-                <a:schemeClr val="accent2"/>
-              </a:buClr>
-              <a:buSzPct val="92000"/>
-              <a:buFont typeface="Wingdings 2" panose="05020102010507070707" pitchFamily="18" charset="2"/>
-              <a:buChar char=""/>
-              <a:defRPr sz="1200" kern="1200">
-                <a:solidFill>
-                  <a:schemeClr val="tx2"/>
-                </a:solidFill>
-                <a:latin typeface="+mn-lt"/>
-                <a:ea typeface="+mn-ea"/>
-                <a:cs typeface="+mn-cs"/>
-              </a:defRPr>
-            </a:lvl4pPr>
-            <a:lvl5pPr marL="1602000" indent="-234000" algn="l" defTabSz="457200" rtl="0" eaLnBrk="1" latinLnBrk="0" hangingPunct="1">
-              <a:spcBef>
-                <a:spcPct val="20000"/>
-              </a:spcBef>
-              <a:spcAft>
-                <a:spcPts val="600"/>
-              </a:spcAft>
-              <a:buClr>
-                <a:schemeClr val="accent2"/>
-              </a:buClr>
-              <a:buSzPct val="92000"/>
-              <a:buFont typeface="Wingdings 2" panose="05020102010507070707" pitchFamily="18" charset="2"/>
-              <a:buChar char=""/>
-              <a:defRPr sz="1200" kern="1200">
-                <a:solidFill>
-                  <a:schemeClr val="tx2"/>
-                </a:solidFill>
-                <a:latin typeface="+mn-lt"/>
-                <a:ea typeface="+mn-ea"/>
-                <a:cs typeface="+mn-cs"/>
-              </a:defRPr>
-            </a:lvl5pPr>
-            <a:lvl6pPr marL="1900000" indent="-228600" algn="l" defTabSz="457200" rtl="0" eaLnBrk="1" latinLnBrk="0" hangingPunct="1">
-              <a:spcBef>
-                <a:spcPct val="20000"/>
-              </a:spcBef>
-              <a:spcAft>
-                <a:spcPts val="600"/>
-              </a:spcAft>
-              <a:buClr>
-                <a:schemeClr val="accent2"/>
-              </a:buClr>
-              <a:buSzPct val="92000"/>
-              <a:buFont typeface="Wingdings 2" panose="05020102010507070707" pitchFamily="18" charset="2"/>
-              <a:buChar char=""/>
-              <a:defRPr sz="1200" kern="1200">
-                <a:solidFill>
-                  <a:schemeClr val="tx2"/>
-                </a:solidFill>
-                <a:latin typeface="+mn-lt"/>
-                <a:ea typeface="+mn-ea"/>
-                <a:cs typeface="+mn-cs"/>
-              </a:defRPr>
-            </a:lvl6pPr>
-            <a:lvl7pPr marL="2200000" indent="-228600" algn="l" defTabSz="457200" rtl="0" eaLnBrk="1" latinLnBrk="0" hangingPunct="1">
-              <a:spcBef>
-                <a:spcPct val="20000"/>
-              </a:spcBef>
-              <a:spcAft>
-                <a:spcPts val="600"/>
-              </a:spcAft>
-              <a:buClr>
-                <a:schemeClr val="accent2"/>
-              </a:buClr>
-              <a:buSzPct val="92000"/>
-              <a:buFont typeface="Wingdings 2" panose="05020102010507070707" pitchFamily="18" charset="2"/>
-              <a:buChar char=""/>
-              <a:defRPr sz="1200" kern="1200">
-                <a:solidFill>
-                  <a:schemeClr val="tx2"/>
-                </a:solidFill>
-                <a:latin typeface="+mn-lt"/>
-                <a:ea typeface="+mn-ea"/>
-                <a:cs typeface="+mn-cs"/>
-              </a:defRPr>
-            </a:lvl7pPr>
-            <a:lvl8pPr marL="2500000" indent="-228600" algn="l" defTabSz="457200" rtl="0" eaLnBrk="1" latinLnBrk="0" hangingPunct="1">
-              <a:spcBef>
-                <a:spcPct val="20000"/>
-              </a:spcBef>
-              <a:spcAft>
-                <a:spcPts val="600"/>
-              </a:spcAft>
-              <a:buClr>
-                <a:schemeClr val="accent2"/>
-              </a:buClr>
-              <a:buSzPct val="92000"/>
-              <a:buFont typeface="Wingdings 2" panose="05020102010507070707" pitchFamily="18" charset="2"/>
-              <a:buChar char=""/>
-              <a:defRPr sz="1200" kern="1200">
-                <a:solidFill>
-                  <a:schemeClr val="tx2"/>
-                </a:solidFill>
-                <a:latin typeface="+mn-lt"/>
-                <a:ea typeface="+mn-ea"/>
-                <a:cs typeface="+mn-cs"/>
-              </a:defRPr>
-            </a:lvl8pPr>
-            <a:lvl9pPr marL="2800000" indent="-228600" algn="l" defTabSz="457200" rtl="0" eaLnBrk="1" latinLnBrk="0" hangingPunct="1">
-              <a:spcBef>
-                <a:spcPct val="20000"/>
-              </a:spcBef>
-              <a:spcAft>
-                <a:spcPts val="600"/>
-              </a:spcAft>
-              <a:buClr>
-                <a:schemeClr val="accent2"/>
-              </a:buClr>
-              <a:buSzPct val="92000"/>
-              <a:buFont typeface="Wingdings 2" panose="05020102010507070707" pitchFamily="18" charset="2"/>
-              <a:buChar char=""/>
-              <a:defRPr sz="1200" kern="1200">
-                <a:solidFill>
-                  <a:schemeClr val="tx2"/>
-                </a:solidFill>
-                <a:latin typeface="+mn-lt"/>
-                <a:ea typeface="+mn-ea"/>
-                <a:cs typeface="+mn-cs"/>
-              </a:defRPr>
-            </a:lvl9pPr>
-          </a:lstStyle>
-          <a:p>
-            <a:pPr>
-              <a:buFont typeface="Arial" panose="020B0604020202020204" pitchFamily="34" charset="0"/>
-              <a:buChar char="•"/>
-            </a:pPr>
-            <a:r>
-              <a:rPr lang="en-GB" b="1" dirty="0"/>
-              <a:t>MDN Web Docs – Border Styling: </a:t>
-            </a:r>
-            <a:r>
-              <a:rPr lang="en-GB" dirty="0">
-                <a:hlinkClick r:id="rId2">
-                  <a:extLst>
-                    <a:ext uri="{A12FA001-AC4F-418D-AE19-62706E023703}">
-                      <ahyp:hlinkClr xmlns:ahyp="http://schemas.microsoft.com/office/drawing/2018/hyperlinkcolor" val="tx"/>
-                    </a:ext>
-                  </a:extLst>
-                </a:hlinkClick>
-              </a:rPr>
-              <a:t>https://developer.mozilla.org/en-US/docs/Web/CSS/border-style</a:t>
-            </a:r>
-            <a:br>
-              <a:rPr lang="en-GB" dirty="0"/>
-            </a:br>
-            <a:br>
-              <a:rPr lang="en-GB" dirty="0"/>
-            </a:br>
-            <a:r>
-              <a:rPr lang="en-GB" b="1" dirty="0"/>
-              <a:t>CSS-Tricks – Border Styling: </a:t>
-            </a:r>
-            <a:br>
-              <a:rPr lang="en-GB" b="1" dirty="0"/>
-            </a:br>
-            <a:r>
-              <a:rPr lang="en-GB" dirty="0"/>
-              <a:t>https://css-</a:t>
-            </a:r>
-            <a:r>
-              <a:rPr lang="en-GB" dirty="0" err="1"/>
-              <a:t>tricks.com</a:t>
-            </a:r>
-            <a:r>
-              <a:rPr lang="en-GB" dirty="0"/>
-              <a:t>/almanac/properties/b/border/</a:t>
-            </a:r>
-          </a:p>
-        </p:txBody>
-      </p:sp>
-    </p:spTree>
-    <p:extLst>
-      <p:ext uri="{BB962C8B-B14F-4D97-AF65-F5344CB8AC3E}">
-        <p14:creationId xmlns:p14="http://schemas.microsoft.com/office/powerpoint/2010/main" val="4093454545"/>
-      </p:ext>
-    </p:extLst>
-  </p:cSld>
-  <p:clrMapOvr>
-    <a:masterClrMapping/>
-  </p:clrMapOvr>
-</p:sld>
-</file>
-
-<file path=ppt/slides/slide17.xml><?xml version="1.0" encoding="utf-8"?>
-<p:sld xmlns:a="http://schemas.openxmlformats.org/drawingml/2006/main" xmlns:r="http://schemas.openxmlformats.org/officeDocument/2006/relationships" xmlns:p="http://schemas.openxmlformats.org/presentationml/2006/main">
-  <p:cSld>
-    <p:spTree>
-      <p:nvGrpSpPr>
-        <p:cNvPr id="1" name="">
-          <a:extLst>
-            <a:ext uri="{FF2B5EF4-FFF2-40B4-BE49-F238E27FC236}">
-              <a16:creationId xmlns:a16="http://schemas.microsoft.com/office/drawing/2014/main" id="{5D0B028A-5797-B120-49CF-20F33A94FC05}"/>
-            </a:ext>
-          </a:extLst>
-        </p:cNvPr>
-        <p:cNvGrpSpPr/>
-        <p:nvPr/>
-      </p:nvGrpSpPr>
-      <p:grpSpPr>
-        <a:xfrm>
-          <a:off x="0" y="0"/>
-          <a:ext cx="0" cy="0"/>
-          <a:chOff x="0" y="0"/>
-          <a:chExt cx="0" cy="0"/>
-        </a:xfrm>
-      </p:grpSpPr>
-      <p:sp>
-        <p:nvSpPr>
-          <p:cNvPr id="2" name="Title 1">
-            <a:extLst>
-              <a:ext uri="{FF2B5EF4-FFF2-40B4-BE49-F238E27FC236}">
-                <a16:creationId xmlns:a16="http://schemas.microsoft.com/office/drawing/2014/main" id="{8E15D87B-4A6B-E81E-479E-042DFC91D082}"/>
-              </a:ext>
-            </a:extLst>
-          </p:cNvPr>
-          <p:cNvSpPr>
-            <a:spLocks noGrp="1"/>
-          </p:cNvSpPr>
-          <p:nvPr>
-            <p:ph type="title"/>
-          </p:nvPr>
-        </p:nvSpPr>
-        <p:spPr>
-          <a:xfrm>
-            <a:off x="581193" y="729658"/>
-            <a:ext cx="11029616" cy="988332"/>
-          </a:xfrm>
-        </p:spPr>
-        <p:txBody>
-          <a:bodyPr anchor="b">
-            <a:normAutofit/>
-          </a:bodyPr>
-          <a:lstStyle/>
-          <a:p>
-            <a:r>
-              <a:rPr lang="en-GB" dirty="0"/>
-              <a:t>Recap</a:t>
-            </a:r>
-          </a:p>
-        </p:txBody>
-      </p:sp>
-      <p:sp>
-        <p:nvSpPr>
-          <p:cNvPr id="3" name="Content Placeholder 2">
-            <a:extLst>
-              <a:ext uri="{FF2B5EF4-FFF2-40B4-BE49-F238E27FC236}">
-                <a16:creationId xmlns:a16="http://schemas.microsoft.com/office/drawing/2014/main" id="{150307C6-2CAD-27EF-E5A9-5F8F532CF684}"/>
-              </a:ext>
-            </a:extLst>
-          </p:cNvPr>
-          <p:cNvSpPr>
-            <a:spLocks noGrp="1"/>
-          </p:cNvSpPr>
-          <p:nvPr>
-            <p:ph sz="half" idx="1"/>
-          </p:nvPr>
-        </p:nvSpPr>
-        <p:spPr>
-          <a:xfrm>
-            <a:off x="581192" y="2110773"/>
-            <a:ext cx="5198285" cy="3633047"/>
-          </a:xfrm>
-        </p:spPr>
-        <p:txBody>
-          <a:bodyPr anchor="ctr">
-            <a:normAutofit/>
-          </a:bodyPr>
-          <a:lstStyle/>
-          <a:p>
-            <a:pPr>
-              <a:buFont typeface="Arial" panose="020B0604020202020204" pitchFamily="34" charset="0"/>
-              <a:buChar char="•"/>
-            </a:pPr>
-            <a:r>
-              <a:rPr lang="en-GB" b="1" dirty="0"/>
-              <a:t>CSS Variables</a:t>
-            </a:r>
-          </a:p>
-          <a:p>
-            <a:pPr>
-              <a:buFont typeface="Arial" panose="020B0604020202020204" pitchFamily="34" charset="0"/>
-              <a:buChar char="•"/>
-            </a:pPr>
-            <a:r>
-              <a:rPr lang="en-GB" dirty="0"/>
-              <a:t>CSS Variables, also known as custom properties, allow you to define reusable values in your stylesheets. </a:t>
-            </a:r>
-          </a:p>
-          <a:p>
-            <a:pPr>
-              <a:buFont typeface="Arial" panose="020B0604020202020204" pitchFamily="34" charset="0"/>
-              <a:buChar char="•"/>
-            </a:pPr>
-            <a:r>
-              <a:rPr lang="en-GB" dirty="0"/>
-              <a:t>This helps maintain consistency and makes future changes easier.</a:t>
-            </a:r>
-          </a:p>
-        </p:txBody>
-      </p:sp>
-      <p:sp>
-        <p:nvSpPr>
-          <p:cNvPr id="4" name="Content Placeholder 2">
-            <a:extLst>
-              <a:ext uri="{FF2B5EF4-FFF2-40B4-BE49-F238E27FC236}">
-                <a16:creationId xmlns:a16="http://schemas.microsoft.com/office/drawing/2014/main" id="{BA1D00DB-8B96-EF76-7E22-924388490DD4}"/>
-              </a:ext>
-            </a:extLst>
-          </p:cNvPr>
-          <p:cNvSpPr txBox="1">
-            <a:spLocks/>
-          </p:cNvSpPr>
-          <p:nvPr/>
-        </p:nvSpPr>
-        <p:spPr>
-          <a:xfrm>
-            <a:off x="6209482" y="2110773"/>
-            <a:ext cx="5198285" cy="3633047"/>
-          </a:xfrm>
-          <a:prstGeom prst="rect">
-            <a:avLst/>
-          </a:prstGeom>
-        </p:spPr>
-        <p:txBody>
-          <a:bodyPr vert="horz" lIns="91440" tIns="45720" rIns="91440" bIns="45720" rtlCol="0" anchor="ctr">
-            <a:normAutofit/>
-          </a:bodyPr>
-          <a:lstStyle>
-            <a:lvl1pPr marL="306000" indent="-306000" algn="l" defTabSz="457200" rtl="0" eaLnBrk="1" latinLnBrk="0" hangingPunct="1">
-              <a:spcBef>
-                <a:spcPct val="20000"/>
-              </a:spcBef>
-              <a:spcAft>
-                <a:spcPts val="600"/>
-              </a:spcAft>
-              <a:buClr>
-                <a:schemeClr val="accent2"/>
-              </a:buClr>
-              <a:buSzPct val="92000"/>
-              <a:buFont typeface="Wingdings 2" panose="05020102010507070707" pitchFamily="18" charset="2"/>
-              <a:buChar char=""/>
-              <a:defRPr sz="1800" kern="1200">
-                <a:solidFill>
-                  <a:schemeClr val="tx2"/>
-                </a:solidFill>
-                <a:latin typeface="+mn-lt"/>
-                <a:ea typeface="+mn-ea"/>
-                <a:cs typeface="+mn-cs"/>
-              </a:defRPr>
-            </a:lvl1pPr>
-            <a:lvl2pPr marL="630000" indent="-306000" algn="l" defTabSz="457200" rtl="0" eaLnBrk="1" latinLnBrk="0" hangingPunct="1">
-              <a:spcBef>
-                <a:spcPct val="20000"/>
-              </a:spcBef>
-              <a:spcAft>
-                <a:spcPts val="600"/>
-              </a:spcAft>
-              <a:buClr>
-                <a:schemeClr val="accent2"/>
-              </a:buClr>
-              <a:buSzPct val="92000"/>
-              <a:buFont typeface="Wingdings 2" panose="05020102010507070707" pitchFamily="18" charset="2"/>
-              <a:buChar char=""/>
-              <a:defRPr sz="1600" kern="1200">
-                <a:solidFill>
-                  <a:schemeClr val="tx2"/>
-                </a:solidFill>
-                <a:latin typeface="+mn-lt"/>
-                <a:ea typeface="+mn-ea"/>
-                <a:cs typeface="+mn-cs"/>
-              </a:defRPr>
-            </a:lvl2pPr>
-            <a:lvl3pPr marL="900000" indent="-270000" algn="l" defTabSz="457200" rtl="0" eaLnBrk="1" latinLnBrk="0" hangingPunct="1">
-              <a:spcBef>
-                <a:spcPct val="20000"/>
-              </a:spcBef>
-              <a:spcAft>
-                <a:spcPts val="600"/>
-              </a:spcAft>
-              <a:buClr>
-                <a:schemeClr val="accent2"/>
-              </a:buClr>
-              <a:buSzPct val="92000"/>
-              <a:buFont typeface="Wingdings 2" panose="05020102010507070707" pitchFamily="18" charset="2"/>
-              <a:buChar char=""/>
-              <a:defRPr sz="1400" kern="1200">
-                <a:solidFill>
-                  <a:schemeClr val="tx2"/>
-                </a:solidFill>
-                <a:latin typeface="+mn-lt"/>
-                <a:ea typeface="+mn-ea"/>
-                <a:cs typeface="+mn-cs"/>
-              </a:defRPr>
-            </a:lvl3pPr>
-            <a:lvl4pPr marL="1242000" indent="-234000" algn="l" defTabSz="457200" rtl="0" eaLnBrk="1" latinLnBrk="0" hangingPunct="1">
-              <a:spcBef>
-                <a:spcPct val="20000"/>
-              </a:spcBef>
-              <a:spcAft>
-                <a:spcPts val="600"/>
-              </a:spcAft>
-              <a:buClr>
-                <a:schemeClr val="accent2"/>
-              </a:buClr>
-              <a:buSzPct val="92000"/>
-              <a:buFont typeface="Wingdings 2" panose="05020102010507070707" pitchFamily="18" charset="2"/>
-              <a:buChar char=""/>
-              <a:defRPr sz="1200" kern="1200">
-                <a:solidFill>
-                  <a:schemeClr val="tx2"/>
-                </a:solidFill>
-                <a:latin typeface="+mn-lt"/>
-                <a:ea typeface="+mn-ea"/>
-                <a:cs typeface="+mn-cs"/>
-              </a:defRPr>
-            </a:lvl4pPr>
-            <a:lvl5pPr marL="1602000" indent="-234000" algn="l" defTabSz="457200" rtl="0" eaLnBrk="1" latinLnBrk="0" hangingPunct="1">
-              <a:spcBef>
-                <a:spcPct val="20000"/>
-              </a:spcBef>
-              <a:spcAft>
-                <a:spcPts val="600"/>
-              </a:spcAft>
-              <a:buClr>
-                <a:schemeClr val="accent2"/>
-              </a:buClr>
-              <a:buSzPct val="92000"/>
-              <a:buFont typeface="Wingdings 2" panose="05020102010507070707" pitchFamily="18" charset="2"/>
-              <a:buChar char=""/>
-              <a:defRPr sz="1200" kern="1200">
-                <a:solidFill>
-                  <a:schemeClr val="tx2"/>
-                </a:solidFill>
-                <a:latin typeface="+mn-lt"/>
-                <a:ea typeface="+mn-ea"/>
-                <a:cs typeface="+mn-cs"/>
-              </a:defRPr>
-            </a:lvl5pPr>
-            <a:lvl6pPr marL="1900000" indent="-228600" algn="l" defTabSz="457200" rtl="0" eaLnBrk="1" latinLnBrk="0" hangingPunct="1">
-              <a:spcBef>
-                <a:spcPct val="20000"/>
-              </a:spcBef>
-              <a:spcAft>
-                <a:spcPts val="600"/>
-              </a:spcAft>
-              <a:buClr>
-                <a:schemeClr val="accent2"/>
-              </a:buClr>
-              <a:buSzPct val="92000"/>
-              <a:buFont typeface="Wingdings 2" panose="05020102010507070707" pitchFamily="18" charset="2"/>
-              <a:buChar char=""/>
-              <a:defRPr sz="1200" kern="1200">
-                <a:solidFill>
-                  <a:schemeClr val="tx2"/>
-                </a:solidFill>
-                <a:latin typeface="+mn-lt"/>
-                <a:ea typeface="+mn-ea"/>
-                <a:cs typeface="+mn-cs"/>
-              </a:defRPr>
-            </a:lvl6pPr>
-            <a:lvl7pPr marL="2200000" indent="-228600" algn="l" defTabSz="457200" rtl="0" eaLnBrk="1" latinLnBrk="0" hangingPunct="1">
-              <a:spcBef>
-                <a:spcPct val="20000"/>
-              </a:spcBef>
-              <a:spcAft>
-                <a:spcPts val="600"/>
-              </a:spcAft>
-              <a:buClr>
-                <a:schemeClr val="accent2"/>
-              </a:buClr>
-              <a:buSzPct val="92000"/>
-              <a:buFont typeface="Wingdings 2" panose="05020102010507070707" pitchFamily="18" charset="2"/>
-              <a:buChar char=""/>
-              <a:defRPr sz="1200" kern="1200">
-                <a:solidFill>
-                  <a:schemeClr val="tx2"/>
-                </a:solidFill>
-                <a:latin typeface="+mn-lt"/>
-                <a:ea typeface="+mn-ea"/>
-                <a:cs typeface="+mn-cs"/>
-              </a:defRPr>
-            </a:lvl7pPr>
-            <a:lvl8pPr marL="2500000" indent="-228600" algn="l" defTabSz="457200" rtl="0" eaLnBrk="1" latinLnBrk="0" hangingPunct="1">
-              <a:spcBef>
-                <a:spcPct val="20000"/>
-              </a:spcBef>
-              <a:spcAft>
-                <a:spcPts val="600"/>
-              </a:spcAft>
-              <a:buClr>
-                <a:schemeClr val="accent2"/>
-              </a:buClr>
-              <a:buSzPct val="92000"/>
-              <a:buFont typeface="Wingdings 2" panose="05020102010507070707" pitchFamily="18" charset="2"/>
-              <a:buChar char=""/>
-              <a:defRPr sz="1200" kern="1200">
-                <a:solidFill>
-                  <a:schemeClr val="tx2"/>
-                </a:solidFill>
-                <a:latin typeface="+mn-lt"/>
-                <a:ea typeface="+mn-ea"/>
-                <a:cs typeface="+mn-cs"/>
-              </a:defRPr>
-            </a:lvl8pPr>
-            <a:lvl9pPr marL="2800000" indent="-228600" algn="l" defTabSz="457200" rtl="0" eaLnBrk="1" latinLnBrk="0" hangingPunct="1">
-              <a:spcBef>
-                <a:spcPct val="20000"/>
-              </a:spcBef>
-              <a:spcAft>
-                <a:spcPts val="600"/>
-              </a:spcAft>
-              <a:buClr>
-                <a:schemeClr val="accent2"/>
-              </a:buClr>
-              <a:buSzPct val="92000"/>
-              <a:buFont typeface="Wingdings 2" panose="05020102010507070707" pitchFamily="18" charset="2"/>
-              <a:buChar char=""/>
-              <a:defRPr sz="1200" kern="1200">
-                <a:solidFill>
-                  <a:schemeClr val="tx2"/>
-                </a:solidFill>
-                <a:latin typeface="+mn-lt"/>
-                <a:ea typeface="+mn-ea"/>
-                <a:cs typeface="+mn-cs"/>
-              </a:defRPr>
-            </a:lvl9pPr>
-          </a:lstStyle>
-          <a:p>
-            <a:pPr>
-              <a:buFont typeface="Arial" panose="020B0604020202020204" pitchFamily="34" charset="0"/>
-              <a:buChar char="•"/>
-            </a:pPr>
-            <a:r>
-              <a:rPr lang="en-GB" b="1" dirty="0"/>
-              <a:t>MDN Web Docs – position: </a:t>
-            </a:r>
-            <a:r>
-              <a:rPr lang="en-GB" dirty="0">
-                <a:hlinkClick r:id="rId2">
-                  <a:extLst>
-                    <a:ext uri="{A12FA001-AC4F-418D-AE19-62706E023703}">
-                      <ahyp:hlinkClr xmlns:ahyp="http://schemas.microsoft.com/office/drawing/2018/hyperlinkcolor" val="tx"/>
-                    </a:ext>
-                  </a:extLst>
-                </a:hlinkClick>
-              </a:rPr>
-              <a:t>https://developer.mozilla.org/en-US/docs/Web/CSS/Using_CSS_custom_properties</a:t>
-            </a:r>
-            <a:endParaRPr lang="en-GB" dirty="0"/>
-          </a:p>
-          <a:p>
-            <a:pPr>
-              <a:buFont typeface="Arial" panose="020B0604020202020204" pitchFamily="34" charset="0"/>
-              <a:buChar char="•"/>
-            </a:pPr>
-            <a:r>
-              <a:rPr lang="en-GB" b="1" dirty="0"/>
-              <a:t>MDN – Pseudo-elements: </a:t>
-            </a:r>
-            <a:br>
-              <a:rPr lang="en-GB" b="1" dirty="0"/>
-            </a:br>
-            <a:r>
-              <a:rPr lang="en-GB" dirty="0">
-                <a:hlinkClick r:id="rId3">
-                  <a:extLst>
-                    <a:ext uri="{A12FA001-AC4F-418D-AE19-62706E023703}">
-                      <ahyp:hlinkClr xmlns:ahyp="http://schemas.microsoft.com/office/drawing/2018/hyperlinkcolor" val="tx"/>
-                    </a:ext>
-                  </a:extLst>
-                </a:hlinkClick>
-              </a:rPr>
-              <a:t>https://css-tricks.com/a-complete-guide-to-custom-properties/</a:t>
-            </a:r>
-            <a:endParaRPr lang="en-GB" dirty="0"/>
-          </a:p>
-          <a:p>
-            <a:pPr>
-              <a:buFont typeface="Arial" panose="020B0604020202020204" pitchFamily="34" charset="0"/>
-              <a:buChar char="•"/>
-            </a:pPr>
-            <a:r>
-              <a:rPr lang="en-GB" b="1" dirty="0"/>
-              <a:t>CSS tricks – Animation</a:t>
-            </a:r>
-            <a:br>
-              <a:rPr lang="en-GB" b="1" dirty="0"/>
-            </a:br>
-            <a:r>
-              <a:rPr lang="en-GB" dirty="0"/>
-              <a:t>https://css-</a:t>
-            </a:r>
-            <a:r>
-              <a:rPr lang="en-GB" dirty="0" err="1"/>
-              <a:t>tricks.com</a:t>
-            </a:r>
-            <a:r>
-              <a:rPr lang="en-GB" dirty="0"/>
-              <a:t>/almanac/properties/a/animation/</a:t>
-            </a:r>
-          </a:p>
-        </p:txBody>
-      </p:sp>
-    </p:spTree>
-    <p:extLst>
-      <p:ext uri="{BB962C8B-B14F-4D97-AF65-F5344CB8AC3E}">
-        <p14:creationId xmlns:p14="http://schemas.microsoft.com/office/powerpoint/2010/main" val="2855754764"/>
-      </p:ext>
-    </p:extLst>
-  </p:cSld>
-  <p:clrMapOvr>
-    <a:masterClrMapping/>
-  </p:clrMapOvr>
-</p:sld>
-</file>
-
-<file path=ppt/slides/slide18.xml><?xml version="1.0" encoding="utf-8"?>
 <p:sld xmlns:a="http://schemas.openxmlformats.org/drawingml/2006/main" xmlns:r="http://schemas.openxmlformats.org/officeDocument/2006/relationships" xmlns:p="http://schemas.openxmlformats.org/presentationml/2006/main">
   <p:cSld>
     <p:spTree>
